--- a/Final Project/Proposals/Presentation1.pptx
+++ b/Final Project/Proposals/Presentation1.pptx
@@ -105,6 +105,11 @@
       </a:defRPr>
     </a:lvl9pPr>
   </p:defaultTextStyle>
+  <p:extLst>
+    <p:ext uri="{EFAFB233-063F-42B5-8137-9DF3F51BA10A}">
+      <p15:sldGuideLst xmlns:p15="http://schemas.microsoft.com/office/powerpoint/2012/main"/>
+    </p:ext>
+  </p:extLst>
 </p:presentation>
 </file>
 
@@ -239,7 +244,7 @@
           <a:p>
             <a:fld id="{46620C70-5C3C-47C6-91E3-F64EBA1EC4B2}" type="datetimeFigureOut">
               <a:rPr lang="en-US" smtClean="0"/>
-              <a:t>10/16/2014</a:t>
+              <a:t>11/29/2014</a:t>
             </a:fld>
             <a:endParaRPr lang="en-US"/>
           </a:p>
@@ -409,7 +414,7 @@
           <a:p>
             <a:fld id="{46620C70-5C3C-47C6-91E3-F64EBA1EC4B2}" type="datetimeFigureOut">
               <a:rPr lang="en-US" smtClean="0"/>
-              <a:t>10/16/2014</a:t>
+              <a:t>11/29/2014</a:t>
             </a:fld>
             <a:endParaRPr lang="en-US"/>
           </a:p>
@@ -589,7 +594,7 @@
           <a:p>
             <a:fld id="{46620C70-5C3C-47C6-91E3-F64EBA1EC4B2}" type="datetimeFigureOut">
               <a:rPr lang="en-US" smtClean="0"/>
-              <a:t>10/16/2014</a:t>
+              <a:t>11/29/2014</a:t>
             </a:fld>
             <a:endParaRPr lang="en-US"/>
           </a:p>
@@ -759,7 +764,7 @@
           <a:p>
             <a:fld id="{46620C70-5C3C-47C6-91E3-F64EBA1EC4B2}" type="datetimeFigureOut">
               <a:rPr lang="en-US" smtClean="0"/>
-              <a:t>10/16/2014</a:t>
+              <a:t>11/29/2014</a:t>
             </a:fld>
             <a:endParaRPr lang="en-US"/>
           </a:p>
@@ -1005,7 +1010,7 @@
           <a:p>
             <a:fld id="{46620C70-5C3C-47C6-91E3-F64EBA1EC4B2}" type="datetimeFigureOut">
               <a:rPr lang="en-US" smtClean="0"/>
-              <a:t>10/16/2014</a:t>
+              <a:t>11/29/2014</a:t>
             </a:fld>
             <a:endParaRPr lang="en-US"/>
           </a:p>
@@ -1237,7 +1242,7 @@
           <a:p>
             <a:fld id="{46620C70-5C3C-47C6-91E3-F64EBA1EC4B2}" type="datetimeFigureOut">
               <a:rPr lang="en-US" smtClean="0"/>
-              <a:t>10/16/2014</a:t>
+              <a:t>11/29/2014</a:t>
             </a:fld>
             <a:endParaRPr lang="en-US"/>
           </a:p>
@@ -1604,7 +1609,7 @@
           <a:p>
             <a:fld id="{46620C70-5C3C-47C6-91E3-F64EBA1EC4B2}" type="datetimeFigureOut">
               <a:rPr lang="en-US" smtClean="0"/>
-              <a:t>10/16/2014</a:t>
+              <a:t>11/29/2014</a:t>
             </a:fld>
             <a:endParaRPr lang="en-US"/>
           </a:p>
@@ -1722,7 +1727,7 @@
           <a:p>
             <a:fld id="{46620C70-5C3C-47C6-91E3-F64EBA1EC4B2}" type="datetimeFigureOut">
               <a:rPr lang="en-US" smtClean="0"/>
-              <a:t>10/16/2014</a:t>
+              <a:t>11/29/2014</a:t>
             </a:fld>
             <a:endParaRPr lang="en-US"/>
           </a:p>
@@ -1817,7 +1822,7 @@
           <a:p>
             <a:fld id="{46620C70-5C3C-47C6-91E3-F64EBA1EC4B2}" type="datetimeFigureOut">
               <a:rPr lang="en-US" smtClean="0"/>
-              <a:t>10/16/2014</a:t>
+              <a:t>11/29/2014</a:t>
             </a:fld>
             <a:endParaRPr lang="en-US"/>
           </a:p>
@@ -2094,7 +2099,7 @@
           <a:p>
             <a:fld id="{46620C70-5C3C-47C6-91E3-F64EBA1EC4B2}" type="datetimeFigureOut">
               <a:rPr lang="en-US" smtClean="0"/>
-              <a:t>10/16/2014</a:t>
+              <a:t>11/29/2014</a:t>
             </a:fld>
             <a:endParaRPr lang="en-US"/>
           </a:p>
@@ -2347,7 +2352,7 @@
           <a:p>
             <a:fld id="{46620C70-5C3C-47C6-91E3-F64EBA1EC4B2}" type="datetimeFigureOut">
               <a:rPr lang="en-US" smtClean="0"/>
-              <a:t>10/16/2014</a:t>
+              <a:t>11/29/2014</a:t>
             </a:fld>
             <a:endParaRPr lang="en-US"/>
           </a:p>
@@ -2560,7 +2565,7 @@
           <a:p>
             <a:fld id="{46620C70-5C3C-47C6-91E3-F64EBA1EC4B2}" type="datetimeFigureOut">
               <a:rPr lang="en-US" smtClean="0"/>
-              <a:t>10/16/2014</a:t>
+              <a:t>11/29/2014</a:t>
             </a:fld>
             <a:endParaRPr lang="en-US"/>
           </a:p>
@@ -3158,7 +3163,15 @@
                   <a:schemeClr val="tx1"/>
                 </a:solidFill>
               </a:rPr>
-              <a:t> KL25Z128VLK4</a:t>
+              <a:t> </a:t>
+            </a:r>
+            <a:r>
+              <a:rPr lang="en-US" dirty="0" err="1">
+                <a:solidFill>
+                  <a:schemeClr val="tx1"/>
+                </a:solidFill>
+              </a:rPr>
+              <a:t>MKM34Z128CLL5</a:t>
             </a:r>
             <a:endParaRPr lang="en-US" dirty="0">
               <a:solidFill>
